--- a/PA/11_exceptions/11_prezentace_exceptions.pptx
+++ b/PA/11_exceptions/11_prezentace_exceptions.pptx
@@ -3838,7 +3838,7 @@
           <a:p>
             <a:r>
               <a:rPr lang="cs-CZ" dirty="0"/>
-              <a:t>Objektové programování</a:t>
+              <a:t>Základy programování a algoritmizace</a:t>
             </a:r>
           </a:p>
         </p:txBody>
